--- a/solutions/ibm/devops/ansible-automation-platform/presales/solution-briefing.pptx
+++ b/solutions/ibm/devops/ansible-automation-platform/presales/solution-briefing.pptx
@@ -118,6 +118,9 @@
     <p:ext uri="{EFAFB233-063F-42B5-8137-9DF3F51BA10A}">
       <p15:sldGuideLst xmlns:p15="http://schemas.microsoft.com/office/powerpoint/2012/main"/>
     </p:ext>
+    <p:ext uri="{2D200454-40CA-4A62-9FC3-DE9A4176ACB9}">
+      <p15:notesGuideLst xmlns:p15="http://schemas.microsoft.com/office/powerpoint/2012/main"/>
+    </p:ext>
   </p:extLst>
 </p:presentation>
 </file>
@@ -144,6 +147,59 @@
           <a:chExt cx="0" cy="0"/>
         </a:xfrm>
       </p:grpSpPr>
+      <p:sp>
+        <p:nvSpPr>
+          <p:cNvPr id="2" name="Slide Image Placeholder 1"/>
+          <p:cNvSpPr>
+            <a:spLocks noGrp="1" noRot="1" noChangeAspect="1"/>
+          </p:cNvSpPr>
+          <p:nvPr>
+            <p:ph type="sldImg"/>
+          </p:nvPr>
+        </p:nvSpPr>
+        <p:spPr>
+          <a:xfrm>
+            <a:off x="-171450" y="1143000"/>
+            <a:ext cx="5486400" cy="3086100"/>
+          </a:xfrm>
+          <a:prstGeom prst="rect">
+            <a:avLst/>
+          </a:prstGeom>
+          <a:noFill/>
+          <a:ln w="12700">
+            <a:solidFill>
+              <a:prstClr val="black"/>
+            </a:solidFill>
+          </a:ln>
+        </p:spPr>
+      </p:sp>
+      <p:sp>
+        <p:nvSpPr>
+          <p:cNvPr id="3" name="Notes Placeholder 2"/>
+          <p:cNvSpPr>
+            <a:spLocks noGrp="1"/>
+          </p:cNvSpPr>
+          <p:nvPr>
+            <p:ph type="body" idx="1"/>
+          </p:nvPr>
+        </p:nvSpPr>
+        <p:spPr>
+          <a:xfrm>
+            <a:off x="514350" y="4400550"/>
+            <a:ext cx="4114800" cy="3600450"/>
+          </a:xfrm>
+          <a:prstGeom prst="rect">
+            <a:avLst/>
+          </a:prstGeom>
+        </p:spPr>
+        <p:txBody>
+          <a:bodyPr/>
+          <a:lstStyle/>
+          <a:p>
+            <a:endParaRPr lang="en-US"/>
+          </a:p>
+        </p:txBody>
+      </p:sp>
     </p:spTree>
     <p:extLst>
       <p:ext uri="{BB962C8B-B14F-4D97-AF65-F5344CB8AC3E}">
@@ -245,6 +301,70 @@
     </a:lvl9pPr>
   </p:notesStyle>
 </p:notesMaster>
+</file>
+
+<file path=ppt/notesSlides/notesSlide1.xml><?xml version="1.0" encoding="utf-8"?>
+<p:notes xmlns:a="http://schemas.openxmlformats.org/drawingml/2006/main" xmlns:p="http://schemas.openxmlformats.org/presentationml/2006/main" xmlns:r="http://schemas.openxmlformats.org/officeDocument/2006/relationships">
+  <p:cSld>
+    <p:spTree>
+      <p:nvGrpSpPr>
+        <p:cNvPr id="1" name=""/>
+        <p:cNvGrpSpPr/>
+        <p:nvPr/>
+      </p:nvGrpSpPr>
+      <p:grpSpPr>
+        <a:xfrm>
+          <a:off x="0" y="0"/>
+          <a:ext cx="0" cy="0"/>
+          <a:chOff x="0" y="0"/>
+          <a:chExt cx="0" cy="0"/>
+        </a:xfrm>
+      </p:grpSpPr>
+      <p:sp>
+        <p:nvSpPr>
+          <p:cNvPr id="2" name="Slide Image Placeholder 1"/>
+          <p:cNvSpPr>
+            <a:spLocks noGrp="1"/>
+          </p:cNvSpPr>
+          <p:nvPr>
+            <p:ph type="sldImg"/>
+          </p:nvPr>
+        </p:nvSpPr>
+        <p:spPr/>
+      </p:sp>
+      <p:sp>
+        <p:nvSpPr>
+          <p:cNvPr id="3" name="Notes Placeholder 2"/>
+          <p:cNvSpPr>
+            <a:spLocks noGrp="1"/>
+          </p:cNvSpPr>
+          <p:nvPr>
+            <p:ph type="body" idx="1"/>
+          </p:nvPr>
+        </p:nvSpPr>
+        <p:spPr/>
+        <p:txBody>
+          <a:bodyPr/>
+          <a:lstStyle/>
+          <a:p>
+            <a:r>
+              <a:t>Additional Scope Parameters (not displayed on slide):</a:t>
+            </a:r>
+          </a:p>
+          <a:p/>
+          <a:p>
+            <a:r>
+              <a:t>• Inventory Management: 600 managed nodes total</a:t>
+            </a:r>
+          </a:p>
+        </p:txBody>
+      </p:sp>
+    </p:spTree>
+  </p:cSld>
+  <p:clrMapOvr>
+    <a:masterClrMapping/>
+  </p:clrMapOvr>
+</p:notes>
 </file>
 
 <file path=ppt/slideLayouts/slideLayout1.xml><?xml version="1.0" encoding="utf-8"?>
@@ -3770,7 +3890,7 @@
         </p:nvGraphicFramePr>
         <p:xfrm>
           <a:off x="256855" y="677011"/>
-          <a:ext cx="8710929" cy="370840"/>
+          <a:ext cx="8710929" cy="3337560"/>
         </p:xfrm>
         <a:graphic>
           <a:graphicData uri="http://schemas.openxmlformats.org/drawingml/2006/table">
@@ -3879,6 +3999,662 @@
                   <a:tcPr>
                     <a:solidFill>
                       <a:srgbClr val="A01C02"/>
+                    </a:solidFill>
+                  </a:tcPr>
+                </a:tc>
+              </a:tr>
+              <a:tr h="370840">
+                <a:tc>
+                  <a:txBody>
+                    <a:bodyPr/>
+                    <a:lstStyle/>
+                    <a:p>
+                      <a:r>
+                        <a:rPr b="1" sz="1100"/>
+                        <a:t>Server Count</a:t>
+                      </a:r>
+                    </a:p>
+                  </a:txBody>
+                  <a:tcPr>
+                    <a:solidFill>
+                      <a:srgbClr val="E7E6E6"/>
+                    </a:solidFill>
+                  </a:tcPr>
+                </a:tc>
+                <a:tc>
+                  <a:txBody>
+                    <a:bodyPr/>
+                    <a:lstStyle/>
+                    <a:p>
+                      <a:r>
+                        <a:rPr sz="1100"/>
+                        <a:t>500 servers (Linux/Windows)</a:t>
+                      </a:r>
+                    </a:p>
+                  </a:txBody>
+                  <a:tcPr>
+                    <a:solidFill>
+                      <a:srgbClr val="E7E6E6"/>
+                    </a:solidFill>
+                  </a:tcPr>
+                </a:tc>
+                <a:tc>
+                  <a:txBody>
+                    <a:bodyPr/>
+                    <a:lstStyle/>
+                    <a:p/>
+                  </a:txBody>
+                  <a:tcPr>
+                    <a:solidFill>
+                      <a:srgbClr val="FFFFFF"/>
+                    </a:solidFill>
+                  </a:tcPr>
+                </a:tc>
+                <a:tc>
+                  <a:txBody>
+                    <a:bodyPr/>
+                    <a:lstStyle/>
+                    <a:p>
+                      <a:r>
+                        <a:rPr b="1" sz="1100"/>
+                        <a:t>Deployment Platform</a:t>
+                      </a:r>
+                    </a:p>
+                  </a:txBody>
+                  <a:tcPr>
+                    <a:solidFill>
+                      <a:srgbClr val="E7E6E6"/>
+                    </a:solidFill>
+                  </a:tcPr>
+                </a:tc>
+                <a:tc>
+                  <a:txBody>
+                    <a:bodyPr/>
+                    <a:lstStyle/>
+                    <a:p>
+                      <a:r>
+                        <a:rPr sz="1100"/>
+                        <a:t>AWS/Azure cloud infrastructure</a:t>
+                      </a:r>
+                    </a:p>
+                  </a:txBody>
+                  <a:tcPr>
+                    <a:solidFill>
+                      <a:srgbClr val="E7E6E6"/>
+                    </a:solidFill>
+                  </a:tcPr>
+                </a:tc>
+              </a:tr>
+              <a:tr h="370840">
+                <a:tc>
+                  <a:txBody>
+                    <a:bodyPr/>
+                    <a:lstStyle/>
+                    <a:p>
+                      <a:r>
+                        <a:rPr b="1" sz="1100"/>
+                        <a:t>Network Device Count</a:t>
+                      </a:r>
+                    </a:p>
+                  </a:txBody>
+                  <a:tcPr>
+                    <a:solidFill>
+                      <a:srgbClr val="E7E6E6"/>
+                    </a:solidFill>
+                  </a:tcPr>
+                </a:tc>
+                <a:tc>
+                  <a:txBody>
+                    <a:bodyPr/>
+                    <a:lstStyle/>
+                    <a:p>
+                      <a:r>
+                        <a:rPr sz="1100"/>
+                        <a:t>100 network devices</a:t>
+                      </a:r>
+                    </a:p>
+                  </a:txBody>
+                  <a:tcPr>
+                    <a:solidFill>
+                      <a:srgbClr val="E7E6E6"/>
+                    </a:solidFill>
+                  </a:tcPr>
+                </a:tc>
+                <a:tc>
+                  <a:txBody>
+                    <a:bodyPr/>
+                    <a:lstStyle/>
+                    <a:p/>
+                  </a:txBody>
+                  <a:tcPr>
+                    <a:solidFill>
+                      <a:srgbClr val="FFFFFF"/>
+                    </a:solidFill>
+                  </a:tcPr>
+                </a:tc>
+                <a:tc>
+                  <a:txBody>
+                    <a:bodyPr/>
+                    <a:lstStyle/>
+                    <a:p>
+                      <a:r>
+                        <a:rPr b="1" sz="1100"/>
+                        <a:t>Availability Requirements</a:t>
+                      </a:r>
+                    </a:p>
+                  </a:txBody>
+                  <a:tcPr>
+                    <a:solidFill>
+                      <a:srgbClr val="E7E6E6"/>
+                    </a:solidFill>
+                  </a:tcPr>
+                </a:tc>
+                <a:tc>
+                  <a:txBody>
+                    <a:bodyPr/>
+                    <a:lstStyle/>
+                    <a:p>
+                      <a:r>
+                        <a:rPr sz="1100"/>
+                        <a:t>HA controller cluster (99.5% uptime)</a:t>
+                      </a:r>
+                    </a:p>
+                  </a:txBody>
+                  <a:tcPr>
+                    <a:solidFill>
+                      <a:srgbClr val="E7E6E6"/>
+                    </a:solidFill>
+                  </a:tcPr>
+                </a:tc>
+              </a:tr>
+              <a:tr h="370840">
+                <a:tc>
+                  <a:txBody>
+                    <a:bodyPr/>
+                    <a:lstStyle/>
+                    <a:p>
+                      <a:r>
+                        <a:rPr b="1" sz="1100"/>
+                        <a:t>Playbook Count</a:t>
+                      </a:r>
+                    </a:p>
+                  </a:txBody>
+                  <a:tcPr>
+                    <a:solidFill>
+                      <a:srgbClr val="E7E6E6"/>
+                    </a:solidFill>
+                  </a:tcPr>
+                </a:tc>
+                <a:tc>
+                  <a:txBody>
+                    <a:bodyPr/>
+                    <a:lstStyle/>
+                    <a:p>
+                      <a:r>
+                        <a:rPr sz="1100"/>
+                        <a:t>100 custom automation playbooks</a:t>
+                      </a:r>
+                    </a:p>
+                  </a:txBody>
+                  <a:tcPr>
+                    <a:solidFill>
+                      <a:srgbClr val="E7E6E6"/>
+                    </a:solidFill>
+                  </a:tcPr>
+                </a:tc>
+                <a:tc>
+                  <a:txBody>
+                    <a:bodyPr/>
+                    <a:lstStyle/>
+                    <a:p/>
+                  </a:txBody>
+                  <a:tcPr>
+                    <a:solidFill>
+                      <a:srgbClr val="FFFFFF"/>
+                    </a:solidFill>
+                  </a:tcPr>
+                </a:tc>
+                <a:tc>
+                  <a:txBody>
+                    <a:bodyPr/>
+                    <a:lstStyle/>
+                    <a:p>
+                      <a:r>
+                        <a:rPr b="1" sz="1100"/>
+                        <a:t>Infrastructure Complexity</a:t>
+                      </a:r>
+                    </a:p>
+                  </a:txBody>
+                  <a:tcPr>
+                    <a:solidFill>
+                      <a:srgbClr val="E7E6E6"/>
+                    </a:solidFill>
+                  </a:tcPr>
+                </a:tc>
+                <a:tc>
+                  <a:txBody>
+                    <a:bodyPr/>
+                    <a:lstStyle/>
+                    <a:p>
+                      <a:r>
+                        <a:rPr sz="1100"/>
+                        <a:t>Controller HA + distributed execution nodes</a:t>
+                      </a:r>
+                    </a:p>
+                  </a:txBody>
+                  <a:tcPr>
+                    <a:solidFill>
+                      <a:srgbClr val="E7E6E6"/>
+                    </a:solidFill>
+                  </a:tcPr>
+                </a:tc>
+              </a:tr>
+              <a:tr h="370840">
+                <a:tc>
+                  <a:txBody>
+                    <a:bodyPr/>
+                    <a:lstStyle/>
+                    <a:p>
+                      <a:r>
+                        <a:rPr b="1" sz="1100"/>
+                        <a:t>ITSM Integration</a:t>
+                      </a:r>
+                    </a:p>
+                  </a:txBody>
+                  <a:tcPr>
+                    <a:solidFill>
+                      <a:srgbClr val="E7E6E6"/>
+                    </a:solidFill>
+                  </a:tcPr>
+                </a:tc>
+                <a:tc>
+                  <a:txBody>
+                    <a:bodyPr/>
+                    <a:lstStyle/>
+                    <a:p>
+                      <a:r>
+                        <a:rPr sz="1100"/>
+                        <a:t>ServiceNow ticket-driven workflows</a:t>
+                      </a:r>
+                    </a:p>
+                  </a:txBody>
+                  <a:tcPr>
+                    <a:solidFill>
+                      <a:srgbClr val="E7E6E6"/>
+                    </a:solidFill>
+                  </a:tcPr>
+                </a:tc>
+                <a:tc>
+                  <a:txBody>
+                    <a:bodyPr/>
+                    <a:lstStyle/>
+                    <a:p/>
+                  </a:txBody>
+                  <a:tcPr>
+                    <a:solidFill>
+                      <a:srgbClr val="FFFFFF"/>
+                    </a:solidFill>
+                  </a:tcPr>
+                </a:tc>
+                <a:tc>
+                  <a:txBody>
+                    <a:bodyPr/>
+                    <a:lstStyle/>
+                    <a:p>
+                      <a:r>
+                        <a:rPr b="1" sz="1100"/>
+                        <a:t>Security Requirements</a:t>
+                      </a:r>
+                    </a:p>
+                  </a:txBody>
+                  <a:tcPr>
+                    <a:solidFill>
+                      <a:srgbClr val="E7E6E6"/>
+                    </a:solidFill>
+                  </a:tcPr>
+                </a:tc>
+                <a:tc>
+                  <a:txBody>
+                    <a:bodyPr/>
+                    <a:lstStyle/>
+                    <a:p>
+                      <a:r>
+                        <a:rPr sz="1100"/>
+                        <a:t>RBAC + credential vault integration</a:t>
+                      </a:r>
+                    </a:p>
+                  </a:txBody>
+                  <a:tcPr>
+                    <a:solidFill>
+                      <a:srgbClr val="E7E6E6"/>
+                    </a:solidFill>
+                  </a:tcPr>
+                </a:tc>
+              </a:tr>
+              <a:tr h="370840">
+                <a:tc>
+                  <a:txBody>
+                    <a:bodyPr/>
+                    <a:lstStyle/>
+                    <a:p>
+                      <a:r>
+                        <a:rPr b="1" sz="1100"/>
+                        <a:t>External Systems</a:t>
+                      </a:r>
+                    </a:p>
+                  </a:txBody>
+                  <a:tcPr>
+                    <a:solidFill>
+                      <a:srgbClr val="E7E6E6"/>
+                    </a:solidFill>
+                  </a:tcPr>
+                </a:tc>
+                <a:tc>
+                  <a:txBody>
+                    <a:bodyPr/>
+                    <a:lstStyle/>
+                    <a:p>
+                      <a:r>
+                        <a:rPr sz="1100"/>
+                        <a:t>Monitoring systems + credential vault</a:t>
+                      </a:r>
+                    </a:p>
+                  </a:txBody>
+                  <a:tcPr>
+                    <a:solidFill>
+                      <a:srgbClr val="E7E6E6"/>
+                    </a:solidFill>
+                  </a:tcPr>
+                </a:tc>
+                <a:tc>
+                  <a:txBody>
+                    <a:bodyPr/>
+                    <a:lstStyle/>
+                    <a:p/>
+                  </a:txBody>
+                  <a:tcPr>
+                    <a:solidFill>
+                      <a:srgbClr val="FFFFFF"/>
+                    </a:solidFill>
+                  </a:tcPr>
+                </a:tc>
+                <a:tc>
+                  <a:txBody>
+                    <a:bodyPr/>
+                    <a:lstStyle/>
+                    <a:p>
+                      <a:r>
+                        <a:rPr b="1" sz="1100"/>
+                        <a:t>Compliance Frameworks</a:t>
+                      </a:r>
+                    </a:p>
+                  </a:txBody>
+                  <a:tcPr>
+                    <a:solidFill>
+                      <a:srgbClr val="E7E6E6"/>
+                    </a:solidFill>
+                  </a:tcPr>
+                </a:tc>
+                <a:tc>
+                  <a:txBody>
+                    <a:bodyPr/>
+                    <a:lstStyle/>
+                    <a:p>
+                      <a:r>
+                        <a:rPr sz="1100"/>
+                        <a:t>SOC2 ISO 27001</a:t>
+                      </a:r>
+                    </a:p>
+                  </a:txBody>
+                  <a:tcPr>
+                    <a:solidFill>
+                      <a:srgbClr val="E7E6E6"/>
+                    </a:solidFill>
+                  </a:tcPr>
+                </a:tc>
+              </a:tr>
+              <a:tr h="370840">
+                <a:tc>
+                  <a:txBody>
+                    <a:bodyPr/>
+                    <a:lstStyle/>
+                    <a:p>
+                      <a:r>
+                        <a:rPr b="1" sz="1100"/>
+                        <a:t>Automation Users</a:t>
+                      </a:r>
+                    </a:p>
+                  </a:txBody>
+                  <a:tcPr>
+                    <a:solidFill>
+                      <a:srgbClr val="E7E6E6"/>
+                    </a:solidFill>
+                  </a:tcPr>
+                </a:tc>
+                <a:tc>
+                  <a:txBody>
+                    <a:bodyPr/>
+                    <a:lstStyle/>
+                    <a:p>
+                      <a:r>
+                        <a:rPr sz="1100"/>
+                        <a:t>50 operations staff</a:t>
+                      </a:r>
+                    </a:p>
+                  </a:txBody>
+                  <a:tcPr>
+                    <a:solidFill>
+                      <a:srgbClr val="E7E6E6"/>
+                    </a:solidFill>
+                  </a:tcPr>
+                </a:tc>
+                <a:tc>
+                  <a:txBody>
+                    <a:bodyPr/>
+                    <a:lstStyle/>
+                    <a:p/>
+                  </a:txBody>
+                  <a:tcPr>
+                    <a:solidFill>
+                      <a:srgbClr val="FFFFFF"/>
+                    </a:solidFill>
+                  </a:tcPr>
+                </a:tc>
+                <a:tc>
+                  <a:txBody>
+                    <a:bodyPr/>
+                    <a:lstStyle/>
+                    <a:p>
+                      <a:r>
+                        <a:rPr b="1" sz="1100"/>
+                        <a:t>Execution Capacity</a:t>
+                      </a:r>
+                    </a:p>
+                  </a:txBody>
+                  <a:tcPr>
+                    <a:solidFill>
+                      <a:srgbClr val="E7E6E6"/>
+                    </a:solidFill>
+                  </a:tcPr>
+                </a:tc>
+                <a:tc>
+                  <a:txBody>
+                    <a:bodyPr/>
+                    <a:lstStyle/>
+                    <a:p>
+                      <a:r>
+                        <a:rPr sz="1100"/>
+                        <a:t>100 concurrent job executions</a:t>
+                      </a:r>
+                    </a:p>
+                  </a:txBody>
+                  <a:tcPr>
+                    <a:solidFill>
+                      <a:srgbClr val="E7E6E6"/>
+                    </a:solidFill>
+                  </a:tcPr>
+                </a:tc>
+              </a:tr>
+              <a:tr h="370840">
+                <a:tc>
+                  <a:txBody>
+                    <a:bodyPr/>
+                    <a:lstStyle/>
+                    <a:p>
+                      <a:r>
+                        <a:rPr b="1" sz="1100"/>
+                        <a:t>User Roles</a:t>
+                      </a:r>
+                    </a:p>
+                  </a:txBody>
+                  <a:tcPr>
+                    <a:solidFill>
+                      <a:srgbClr val="E7E6E6"/>
+                    </a:solidFill>
+                  </a:tcPr>
+                </a:tc>
+                <a:tc>
+                  <a:txBody>
+                    <a:bodyPr/>
+                    <a:lstStyle/>
+                    <a:p>
+                      <a:r>
+                        <a:rPr sz="1100"/>
+                        <a:t>5 roles (operator admin developer approver auditor)</a:t>
+                      </a:r>
+                    </a:p>
+                  </a:txBody>
+                  <a:tcPr>
+                    <a:solidFill>
+                      <a:srgbClr val="E7E6E6"/>
+                    </a:solidFill>
+                  </a:tcPr>
+                </a:tc>
+                <a:tc>
+                  <a:txBody>
+                    <a:bodyPr/>
+                    <a:lstStyle/>
+                    <a:p/>
+                  </a:txBody>
+                  <a:tcPr>
+                    <a:solidFill>
+                      <a:srgbClr val="FFFFFF"/>
+                    </a:solidFill>
+                  </a:tcPr>
+                </a:tc>
+                <a:tc>
+                  <a:txBody>
+                    <a:bodyPr/>
+                    <a:lstStyle/>
+                    <a:p>
+                      <a:r>
+                        <a:rPr b="1" sz="1100"/>
+                        <a:t>Automation Orchestration</a:t>
+                      </a:r>
+                    </a:p>
+                  </a:txBody>
+                  <a:tcPr>
+                    <a:solidFill>
+                      <a:srgbClr val="E7E6E6"/>
+                    </a:solidFill>
+                  </a:tcPr>
+                </a:tc>
+                <a:tc>
+                  <a:txBody>
+                    <a:bodyPr/>
+                    <a:lstStyle/>
+                    <a:p>
+                      <a:r>
+                        <a:rPr sz="1100"/>
+                        <a:t>Event-driven automation + scheduled jobs</a:t>
+                      </a:r>
+                    </a:p>
+                  </a:txBody>
+                  <a:tcPr>
+                    <a:solidFill>
+                      <a:srgbClr val="E7E6E6"/>
+                    </a:solidFill>
+                  </a:tcPr>
+                </a:tc>
+              </a:tr>
+              <a:tr h="370840">
+                <a:tc>
+                  <a:txBody>
+                    <a:bodyPr/>
+                    <a:lstStyle/>
+                    <a:p>
+                      <a:r>
+                        <a:rPr b="1" sz="1100"/>
+                        <a:t>Automation Executions</a:t>
+                      </a:r>
+                    </a:p>
+                  </a:txBody>
+                  <a:tcPr>
+                    <a:solidFill>
+                      <a:srgbClr val="E7E6E6"/>
+                    </a:solidFill>
+                  </a:tcPr>
+                </a:tc>
+                <a:tc>
+                  <a:txBody>
+                    <a:bodyPr/>
+                    <a:lstStyle/>
+                    <a:p>
+                      <a:r>
+                        <a:rPr sz="1100"/>
+                        <a:t>10000+ job runs per month</a:t>
+                      </a:r>
+                    </a:p>
+                  </a:txBody>
+                  <a:tcPr>
+                    <a:solidFill>
+                      <a:srgbClr val="E7E6E6"/>
+                    </a:solidFill>
+                  </a:tcPr>
+                </a:tc>
+                <a:tc>
+                  <a:txBody>
+                    <a:bodyPr/>
+                    <a:lstStyle/>
+                    <a:p/>
+                  </a:txBody>
+                  <a:tcPr>
+                    <a:solidFill>
+                      <a:srgbClr val="FFFFFF"/>
+                    </a:solidFill>
+                  </a:tcPr>
+                </a:tc>
+                <a:tc>
+                  <a:txBody>
+                    <a:bodyPr/>
+                    <a:lstStyle/>
+                    <a:p>
+                      <a:r>
+                        <a:rPr b="1" sz="1100"/>
+                        <a:t>Deployment Environments</a:t>
+                      </a:r>
+                    </a:p>
+                  </a:txBody>
+                  <a:tcPr>
+                    <a:solidFill>
+                      <a:srgbClr val="E7E6E6"/>
+                    </a:solidFill>
+                  </a:tcPr>
+                </a:tc>
+                <a:tc>
+                  <a:txBody>
+                    <a:bodyPr/>
+                    <a:lstStyle/>
+                    <a:p>
+                      <a:r>
+                        <a:rPr sz="1100"/>
+                        <a:t>2 environments (dev/staging + prod)</a:t>
+                      </a:r>
+                    </a:p>
+                  </a:txBody>
+                  <a:tcPr>
+                    <a:solidFill>
+                      <a:srgbClr val="E7E6E6"/>
                     </a:solidFill>
                   </a:tcPr>
                 </a:tc>

--- a/solutions/ibm/devops/ansible-automation-platform/presales/solution-briefing.pptx
+++ b/solutions/ibm/devops/ansible-automation-platform/presales/solution-briefing.pptx
@@ -5573,7 +5573,7 @@
               <a:t>Solution:</a:t>
             </a:r>
             <a:r>
-              <a:t> Deployed Ansible Automation Platform managing 5000 servers and 800 network devices. Developed 200 playbooks for provisioning patching and network automation. Integrated with ServiceNow for ticket-driven workflows.</a:t>
+              <a:t> Deployed Ansible Platform managing 5000 servers and 800 devices. Developed 200 playbooks with ServiceNow integration.</a:t>
             </a:r>
           </a:p>
           <a:p>

--- a/solutions/ibm/devops/ansible-automation-platform/presales/solution-briefing.pptx
+++ b/solutions/ibm/devops/ansible-automation-platform/presales/solution-briefing.pptx
@@ -757,6 +757,39 @@
       </p:grpSpPr>
       <p:sp>
         <p:nvSpPr>
+          <p:cNvPr id="12" name="Picture Placeholder 13">
+            <a:extLst>
+              <a:ext uri="{FF2B5EF4-FFF2-40B4-BE49-F238E27FC236}">
+                <a16:creationId xmlns:a16="http://schemas.microsoft.com/office/drawing/2014/main" id="{2DB97592-C4D5-B315-7F11-AA14F6EE8A62}"/>
+              </a:ext>
+            </a:extLst>
+          </p:cNvPr>
+          <p:cNvSpPr>
+            <a:spLocks noGrp="1"/>
+          </p:cNvSpPr>
+          <p:nvPr>
+            <p:ph type="pic" sz="quarter" idx="13"/>
+          </p:nvPr>
+        </p:nvSpPr>
+        <p:spPr>
+          <a:xfrm>
+            <a:off x="313593" y="4536078"/>
+            <a:ext cx="2143858" cy="529698"/>
+          </a:xfrm>
+          <a:prstGeom prst="rect">
+            <a:avLst/>
+          </a:prstGeom>
+        </p:spPr>
+        <p:txBody>
+          <a:bodyPr/>
+          <a:lstStyle/>
+          <a:p>
+            <a:endParaRPr lang="en-US" dirty="0"/>
+          </a:p>
+        </p:txBody>
+      </p:sp>
+      <p:sp>
+        <p:nvSpPr>
           <p:cNvPr id="3" name="Shape 1">
             <a:extLst>
               <a:ext uri="{FF2B5EF4-FFF2-40B4-BE49-F238E27FC236}">
@@ -846,39 +879,6 @@
               <a:rPr lang="en-US" dirty="0"/>
               <a:t>Slide Title</a:t>
             </a:r>
-          </a:p>
-        </p:txBody>
-      </p:sp>
-      <p:sp>
-        <p:nvSpPr>
-          <p:cNvPr id="12" name="Picture Placeholder 13">
-            <a:extLst>
-              <a:ext uri="{FF2B5EF4-FFF2-40B4-BE49-F238E27FC236}">
-                <a16:creationId xmlns:a16="http://schemas.microsoft.com/office/drawing/2014/main" id="{2DB97592-C4D5-B315-7F11-AA14F6EE8A62}"/>
-              </a:ext>
-            </a:extLst>
-          </p:cNvPr>
-          <p:cNvSpPr>
-            <a:spLocks noGrp="1"/>
-          </p:cNvSpPr>
-          <p:nvPr>
-            <p:ph type="pic" sz="quarter" idx="13"/>
-          </p:nvPr>
-        </p:nvSpPr>
-        <p:spPr>
-          <a:xfrm>
-            <a:off x="313593" y="4536078"/>
-            <a:ext cx="2143858" cy="529698"/>
-          </a:xfrm>
-          <a:prstGeom prst="rect">
-            <a:avLst/>
-          </a:prstGeom>
-        </p:spPr>
-        <p:txBody>
-          <a:bodyPr/>
-          <a:lstStyle/>
-          <a:p>
-            <a:endParaRPr lang="en-US" dirty="0"/>
           </a:p>
         </p:txBody>
       </p:sp>
@@ -1035,6 +1035,39 @@
       </p:grpSpPr>
       <p:sp>
         <p:nvSpPr>
+          <p:cNvPr id="12" name="Picture Placeholder 13">
+            <a:extLst>
+              <a:ext uri="{FF2B5EF4-FFF2-40B4-BE49-F238E27FC236}">
+                <a16:creationId xmlns:a16="http://schemas.microsoft.com/office/drawing/2014/main" id="{2DB97592-C4D5-B315-7F11-AA14F6EE8A62}"/>
+              </a:ext>
+            </a:extLst>
+          </p:cNvPr>
+          <p:cNvSpPr>
+            <a:spLocks noGrp="1"/>
+          </p:cNvSpPr>
+          <p:nvPr>
+            <p:ph type="pic" sz="quarter" idx="13"/>
+          </p:nvPr>
+        </p:nvSpPr>
+        <p:spPr>
+          <a:xfrm>
+            <a:off x="313593" y="4536078"/>
+            <a:ext cx="2143858" cy="529698"/>
+          </a:xfrm>
+          <a:prstGeom prst="rect">
+            <a:avLst/>
+          </a:prstGeom>
+        </p:spPr>
+        <p:txBody>
+          <a:bodyPr/>
+          <a:lstStyle/>
+          <a:p>
+            <a:endParaRPr lang="en-US" dirty="0"/>
+          </a:p>
+        </p:txBody>
+      </p:sp>
+      <p:sp>
+        <p:nvSpPr>
           <p:cNvPr id="3" name="Shape 1">
             <a:extLst>
               <a:ext uri="{FF2B5EF4-FFF2-40B4-BE49-F238E27FC236}">
@@ -1124,39 +1157,6 @@
               <a:rPr lang="en-US" dirty="0"/>
               <a:t>Bullet Points</a:t>
             </a:r>
-          </a:p>
-        </p:txBody>
-      </p:sp>
-      <p:sp>
-        <p:nvSpPr>
-          <p:cNvPr id="12" name="Picture Placeholder 13">
-            <a:extLst>
-              <a:ext uri="{FF2B5EF4-FFF2-40B4-BE49-F238E27FC236}">
-                <a16:creationId xmlns:a16="http://schemas.microsoft.com/office/drawing/2014/main" id="{2DB97592-C4D5-B315-7F11-AA14F6EE8A62}"/>
-              </a:ext>
-            </a:extLst>
-          </p:cNvPr>
-          <p:cNvSpPr>
-            <a:spLocks noGrp="1"/>
-          </p:cNvSpPr>
-          <p:nvPr>
-            <p:ph type="pic" sz="quarter" idx="13"/>
-          </p:nvPr>
-        </p:nvSpPr>
-        <p:spPr>
-          <a:xfrm>
-            <a:off x="313593" y="4536078"/>
-            <a:ext cx="2143858" cy="529698"/>
-          </a:xfrm>
-          <a:prstGeom prst="rect">
-            <a:avLst/>
-          </a:prstGeom>
-        </p:spPr>
-        <p:txBody>
-          <a:bodyPr/>
-          <a:lstStyle/>
-          <a:p>
-            <a:endParaRPr lang="en-US" dirty="0"/>
           </a:p>
         </p:txBody>
       </p:sp>
@@ -1299,6 +1299,39 @@
       </p:grpSpPr>
       <p:sp>
         <p:nvSpPr>
+          <p:cNvPr id="10" name="Picture Placeholder 13">
+            <a:extLst>
+              <a:ext uri="{FF2B5EF4-FFF2-40B4-BE49-F238E27FC236}">
+                <a16:creationId xmlns:a16="http://schemas.microsoft.com/office/drawing/2014/main" id="{6A0FA445-7602-F06E-EC73-5504EBF827CC}"/>
+              </a:ext>
+            </a:extLst>
+          </p:cNvPr>
+          <p:cNvSpPr>
+            <a:spLocks noGrp="1"/>
+          </p:cNvSpPr>
+          <p:nvPr>
+            <p:ph type="pic" sz="quarter" idx="14"/>
+          </p:nvPr>
+        </p:nvSpPr>
+        <p:spPr>
+          <a:xfrm>
+            <a:off x="313592" y="4536078"/>
+            <a:ext cx="2121877" cy="529698"/>
+          </a:xfrm>
+          <a:prstGeom prst="rect">
+            <a:avLst/>
+          </a:prstGeom>
+        </p:spPr>
+        <p:txBody>
+          <a:bodyPr/>
+          <a:lstStyle/>
+          <a:p>
+            <a:endParaRPr lang="en-US" dirty="0"/>
+          </a:p>
+        </p:txBody>
+      </p:sp>
+      <p:sp>
+        <p:nvSpPr>
           <p:cNvPr id="3" name="Shape 1">
             <a:extLst>
               <a:ext uri="{FF2B5EF4-FFF2-40B4-BE49-F238E27FC236}">
@@ -1388,39 +1421,6 @@
               <a:rPr lang="en-US" dirty="0"/>
               <a:t>Two Column Layout</a:t>
             </a:r>
-          </a:p>
-        </p:txBody>
-      </p:sp>
-      <p:sp>
-        <p:nvSpPr>
-          <p:cNvPr id="10" name="Picture Placeholder 13">
-            <a:extLst>
-              <a:ext uri="{FF2B5EF4-FFF2-40B4-BE49-F238E27FC236}">
-                <a16:creationId xmlns:a16="http://schemas.microsoft.com/office/drawing/2014/main" id="{6A0FA445-7602-F06E-EC73-5504EBF827CC}"/>
-              </a:ext>
-            </a:extLst>
-          </p:cNvPr>
-          <p:cNvSpPr>
-            <a:spLocks noGrp="1"/>
-          </p:cNvSpPr>
-          <p:nvPr>
-            <p:ph type="pic" sz="quarter" idx="14"/>
-          </p:nvPr>
-        </p:nvSpPr>
-        <p:spPr>
-          <a:xfrm>
-            <a:off x="313592" y="4536078"/>
-            <a:ext cx="2121877" cy="529698"/>
-          </a:xfrm>
-          <a:prstGeom prst="rect">
-            <a:avLst/>
-          </a:prstGeom>
-        </p:spPr>
-        <p:txBody>
-          <a:bodyPr/>
-          <a:lstStyle/>
-          <a:p>
-            <a:endParaRPr lang="en-US" dirty="0"/>
           </a:p>
         </p:txBody>
       </p:sp>
@@ -1668,6 +1668,39 @@
       </p:grpSpPr>
       <p:sp>
         <p:nvSpPr>
+          <p:cNvPr id="12" name="Picture Placeholder 13">
+            <a:extLst>
+              <a:ext uri="{FF2B5EF4-FFF2-40B4-BE49-F238E27FC236}">
+                <a16:creationId xmlns:a16="http://schemas.microsoft.com/office/drawing/2014/main" id="{2DB97592-C4D5-B315-7F11-AA14F6EE8A62}"/>
+              </a:ext>
+            </a:extLst>
+          </p:cNvPr>
+          <p:cNvSpPr>
+            <a:spLocks noGrp="1"/>
+          </p:cNvSpPr>
+          <p:nvPr>
+            <p:ph type="pic" sz="quarter" idx="13"/>
+          </p:nvPr>
+        </p:nvSpPr>
+        <p:spPr>
+          <a:xfrm>
+            <a:off x="313592" y="4536078"/>
+            <a:ext cx="2126273" cy="529698"/>
+          </a:xfrm>
+          <a:prstGeom prst="rect">
+            <a:avLst/>
+          </a:prstGeom>
+        </p:spPr>
+        <p:txBody>
+          <a:bodyPr/>
+          <a:lstStyle/>
+          <a:p>
+            <a:endParaRPr lang="en-US" dirty="0"/>
+          </a:p>
+        </p:txBody>
+      </p:sp>
+      <p:sp>
+        <p:nvSpPr>
           <p:cNvPr id="3" name="Shape 1">
             <a:extLst>
               <a:ext uri="{FF2B5EF4-FFF2-40B4-BE49-F238E27FC236}">
@@ -1783,39 +1816,6 @@
           </a:p>
           <a:p>
             <a:pPr lvl="0"/>
-            <a:endParaRPr lang="en-US" dirty="0"/>
-          </a:p>
-        </p:txBody>
-      </p:sp>
-      <p:sp>
-        <p:nvSpPr>
-          <p:cNvPr id="12" name="Picture Placeholder 13">
-            <a:extLst>
-              <a:ext uri="{FF2B5EF4-FFF2-40B4-BE49-F238E27FC236}">
-                <a16:creationId xmlns:a16="http://schemas.microsoft.com/office/drawing/2014/main" id="{2DB97592-C4D5-B315-7F11-AA14F6EE8A62}"/>
-              </a:ext>
-            </a:extLst>
-          </p:cNvPr>
-          <p:cNvSpPr>
-            <a:spLocks noGrp="1"/>
-          </p:cNvSpPr>
-          <p:nvPr>
-            <p:ph type="pic" sz="quarter" idx="13"/>
-          </p:nvPr>
-        </p:nvSpPr>
-        <p:spPr>
-          <a:xfrm>
-            <a:off x="313592" y="4536078"/>
-            <a:ext cx="2126273" cy="529698"/>
-          </a:xfrm>
-          <a:prstGeom prst="rect">
-            <a:avLst/>
-          </a:prstGeom>
-        </p:spPr>
-        <p:txBody>
-          <a:bodyPr/>
-          <a:lstStyle/>
-          <a:p>
             <a:endParaRPr lang="en-US" dirty="0"/>
           </a:p>
         </p:txBody>
@@ -1927,6 +1927,39 @@
       </p:grpSpPr>
       <p:sp>
         <p:nvSpPr>
+          <p:cNvPr id="10" name="Picture Placeholder 13">
+            <a:extLst>
+              <a:ext uri="{FF2B5EF4-FFF2-40B4-BE49-F238E27FC236}">
+                <a16:creationId xmlns:a16="http://schemas.microsoft.com/office/drawing/2014/main" id="{6A0FA445-7602-F06E-EC73-5504EBF827CC}"/>
+              </a:ext>
+            </a:extLst>
+          </p:cNvPr>
+          <p:cNvSpPr>
+            <a:spLocks noGrp="1"/>
+          </p:cNvSpPr>
+          <p:nvPr>
+            <p:ph type="pic" sz="quarter" idx="14"/>
+          </p:nvPr>
+        </p:nvSpPr>
+        <p:spPr>
+          <a:xfrm>
+            <a:off x="313592" y="4536078"/>
+            <a:ext cx="2130670" cy="529698"/>
+          </a:xfrm>
+          <a:prstGeom prst="rect">
+            <a:avLst/>
+          </a:prstGeom>
+        </p:spPr>
+        <p:txBody>
+          <a:bodyPr/>
+          <a:lstStyle/>
+          <a:p>
+            <a:endParaRPr lang="en-US" dirty="0"/>
+          </a:p>
+        </p:txBody>
+      </p:sp>
+      <p:sp>
+        <p:nvSpPr>
           <p:cNvPr id="3" name="Shape 1">
             <a:extLst>
               <a:ext uri="{FF2B5EF4-FFF2-40B4-BE49-F238E27FC236}">
@@ -2016,39 +2049,6 @@
               <a:rPr lang="en-US" dirty="0"/>
               <a:t>Visual Content</a:t>
             </a:r>
-          </a:p>
-        </p:txBody>
-      </p:sp>
-      <p:sp>
-        <p:nvSpPr>
-          <p:cNvPr id="10" name="Picture Placeholder 13">
-            <a:extLst>
-              <a:ext uri="{FF2B5EF4-FFF2-40B4-BE49-F238E27FC236}">
-                <a16:creationId xmlns:a16="http://schemas.microsoft.com/office/drawing/2014/main" id="{6A0FA445-7602-F06E-EC73-5504EBF827CC}"/>
-              </a:ext>
-            </a:extLst>
-          </p:cNvPr>
-          <p:cNvSpPr>
-            <a:spLocks noGrp="1"/>
-          </p:cNvSpPr>
-          <p:nvPr>
-            <p:ph type="pic" sz="quarter" idx="14"/>
-          </p:nvPr>
-        </p:nvSpPr>
-        <p:spPr>
-          <a:xfrm>
-            <a:off x="313592" y="4536078"/>
-            <a:ext cx="2130670" cy="529698"/>
-          </a:xfrm>
-          <a:prstGeom prst="rect">
-            <a:avLst/>
-          </a:prstGeom>
-        </p:spPr>
-        <p:txBody>
-          <a:bodyPr/>
-          <a:lstStyle/>
-          <a:p>
-            <a:endParaRPr lang="en-US" dirty="0"/>
           </a:p>
         </p:txBody>
       </p:sp>
@@ -2244,6 +2244,39 @@
       </p:grpSpPr>
       <p:sp>
         <p:nvSpPr>
+          <p:cNvPr id="10" name="Picture Placeholder 13">
+            <a:extLst>
+              <a:ext uri="{FF2B5EF4-FFF2-40B4-BE49-F238E27FC236}">
+                <a16:creationId xmlns:a16="http://schemas.microsoft.com/office/drawing/2014/main" id="{6A0FA445-7602-F06E-EC73-5504EBF827CC}"/>
+              </a:ext>
+            </a:extLst>
+          </p:cNvPr>
+          <p:cNvSpPr>
+            <a:spLocks noGrp="1"/>
+          </p:cNvSpPr>
+          <p:nvPr>
+            <p:ph type="pic" sz="quarter" idx="14"/>
+          </p:nvPr>
+        </p:nvSpPr>
+        <p:spPr>
+          <a:xfrm>
+            <a:off x="313592" y="4536078"/>
+            <a:ext cx="2104294" cy="529698"/>
+          </a:xfrm>
+          <a:prstGeom prst="rect">
+            <a:avLst/>
+          </a:prstGeom>
+        </p:spPr>
+        <p:txBody>
+          <a:bodyPr/>
+          <a:lstStyle/>
+          <a:p>
+            <a:endParaRPr lang="en-US" dirty="0"/>
+          </a:p>
+        </p:txBody>
+      </p:sp>
+      <p:sp>
+        <p:nvSpPr>
           <p:cNvPr id="3" name="Shape 1">
             <a:extLst>
               <a:ext uri="{FF2B5EF4-FFF2-40B4-BE49-F238E27FC236}">
@@ -2333,39 +2366,6 @@
               <a:rPr lang="en-US" dirty="0"/>
               <a:t>Data Visualization</a:t>
             </a:r>
-          </a:p>
-        </p:txBody>
-      </p:sp>
-      <p:sp>
-        <p:nvSpPr>
-          <p:cNvPr id="10" name="Picture Placeholder 13">
-            <a:extLst>
-              <a:ext uri="{FF2B5EF4-FFF2-40B4-BE49-F238E27FC236}">
-                <a16:creationId xmlns:a16="http://schemas.microsoft.com/office/drawing/2014/main" id="{6A0FA445-7602-F06E-EC73-5504EBF827CC}"/>
-              </a:ext>
-            </a:extLst>
-          </p:cNvPr>
-          <p:cNvSpPr>
-            <a:spLocks noGrp="1"/>
-          </p:cNvSpPr>
-          <p:nvPr>
-            <p:ph type="pic" sz="quarter" idx="14"/>
-          </p:nvPr>
-        </p:nvSpPr>
-        <p:spPr>
-          <a:xfrm>
-            <a:off x="313592" y="4536078"/>
-            <a:ext cx="2104294" cy="529698"/>
-          </a:xfrm>
-          <a:prstGeom prst="rect">
-            <a:avLst/>
-          </a:prstGeom>
-        </p:spPr>
-        <p:txBody>
-          <a:bodyPr/>
-          <a:lstStyle/>
-          <a:p>
-            <a:endParaRPr lang="en-US" dirty="0"/>
           </a:p>
         </p:txBody>
       </p:sp>
@@ -3439,7 +3439,19 @@
       <p:grpSpPr/>
       <p:sp>
         <p:nvSpPr>
-          <p:cNvPr id="2" name="Text Placeholder 1"/>
+          <p:cNvPr id="2" name="Picture Placeholder 1"/>
+          <p:cNvSpPr>
+            <a:spLocks noGrp="1"/>
+          </p:cNvSpPr>
+          <p:nvPr>
+            <p:ph type="pic" idx="13" sz="quarter"/>
+          </p:nvPr>
+        </p:nvSpPr>
+        <p:spPr/>
+      </p:sp>
+      <p:sp>
+        <p:nvSpPr>
+          <p:cNvPr id="3" name="Text Placeholder 2"/>
           <p:cNvSpPr>
             <a:spLocks noGrp="1"/>
           </p:cNvSpPr>
@@ -3458,18 +3470,6 @@
             </a:r>
           </a:p>
         </p:txBody>
-      </p:sp>
-      <p:sp>
-        <p:nvSpPr>
-          <p:cNvPr id="3" name="Picture Placeholder 2"/>
-          <p:cNvSpPr>
-            <a:spLocks noGrp="1"/>
-          </p:cNvSpPr>
-          <p:nvPr>
-            <p:ph type="pic" idx="13" sz="quarter"/>
-          </p:nvPr>
-        </p:nvSpPr>
-        <p:spPr/>
       </p:sp>
       <p:sp>
         <p:nvSpPr>
@@ -3683,7 +3683,19 @@
       <p:grpSpPr/>
       <p:sp>
         <p:nvSpPr>
-          <p:cNvPr id="2" name="Text Placeholder 1"/>
+          <p:cNvPr id="2" name="Picture Placeholder 1"/>
+          <p:cNvSpPr>
+            <a:spLocks noGrp="1"/>
+          </p:cNvSpPr>
+          <p:nvPr>
+            <p:ph type="pic" idx="14" sz="quarter"/>
+          </p:nvPr>
+        </p:nvSpPr>
+        <p:spPr/>
+      </p:sp>
+      <p:sp>
+        <p:nvSpPr>
+          <p:cNvPr id="3" name="Text Placeholder 2"/>
           <p:cNvSpPr>
             <a:spLocks noGrp="1"/>
           </p:cNvSpPr>
@@ -3702,18 +3714,6 @@
             </a:r>
           </a:p>
         </p:txBody>
-      </p:sp>
-      <p:sp>
-        <p:nvSpPr>
-          <p:cNvPr id="3" name="Picture Placeholder 2"/>
-          <p:cNvSpPr>
-            <a:spLocks noGrp="1"/>
-          </p:cNvSpPr>
-          <p:nvPr>
-            <p:ph type="pic" idx="14" sz="quarter"/>
-          </p:nvPr>
-        </p:nvSpPr>
-        <p:spPr/>
       </p:sp>
       <p:sp>
         <p:nvSpPr>
@@ -3846,7 +3846,19 @@
       <p:grpSpPr/>
       <p:sp>
         <p:nvSpPr>
-          <p:cNvPr id="2" name="Text Placeholder 1"/>
+          <p:cNvPr id="2" name="Picture Placeholder 1"/>
+          <p:cNvSpPr>
+            <a:spLocks noGrp="1"/>
+          </p:cNvSpPr>
+          <p:nvPr>
+            <p:ph type="pic" idx="13" sz="quarter"/>
+          </p:nvPr>
+        </p:nvSpPr>
+        <p:spPr/>
+      </p:sp>
+      <p:sp>
+        <p:nvSpPr>
+          <p:cNvPr id="3" name="Text Placeholder 2"/>
           <p:cNvSpPr>
             <a:spLocks noGrp="1"/>
           </p:cNvSpPr>
@@ -3865,18 +3877,6 @@
             </a:r>
           </a:p>
         </p:txBody>
-      </p:sp>
-      <p:sp>
-        <p:nvSpPr>
-          <p:cNvPr id="3" name="Picture Placeholder 2"/>
-          <p:cNvSpPr>
-            <a:spLocks noGrp="1"/>
-          </p:cNvSpPr>
-          <p:nvPr>
-            <p:ph type="pic" idx="13" sz="quarter"/>
-          </p:nvPr>
-        </p:nvSpPr>
-        <p:spPr/>
       </p:sp>
       <p:graphicFrame>
         <p:nvGraphicFramePr>
@@ -4712,7 +4712,19 @@
       <p:grpSpPr/>
       <p:sp>
         <p:nvSpPr>
-          <p:cNvPr id="2" name="Text Placeholder 1"/>
+          <p:cNvPr id="2" name="Picture Placeholder 1"/>
+          <p:cNvSpPr>
+            <a:spLocks noGrp="1"/>
+          </p:cNvSpPr>
+          <p:nvPr>
+            <p:ph type="pic" idx="14" sz="quarter"/>
+          </p:nvPr>
+        </p:nvSpPr>
+        <p:spPr/>
+      </p:sp>
+      <p:sp>
+        <p:nvSpPr>
+          <p:cNvPr id="3" name="Text Placeholder 2"/>
           <p:cNvSpPr>
             <a:spLocks noGrp="1"/>
           </p:cNvSpPr>
@@ -4734,27 +4746,15 @@
       </p:sp>
       <p:sp>
         <p:nvSpPr>
-          <p:cNvPr id="3" name="Picture Placeholder 2"/>
-          <p:cNvSpPr>
-            <a:spLocks noGrp="1"/>
-          </p:cNvSpPr>
-          <p:nvPr>
-            <p:ph type="pic" idx="14" sz="quarter"/>
+          <p:cNvPr id="5" name="Text Placeholder 4"/>
+          <p:cNvSpPr>
+            <a:spLocks noGrp="1"/>
+          </p:cNvSpPr>
+          <p:nvPr>
+            <p:ph type="body" idx="16" sz="quarter"/>
           </p:nvPr>
         </p:nvSpPr>
         <p:spPr/>
-      </p:sp>
-      <p:sp>
-        <p:nvSpPr>
-          <p:cNvPr id="5" name="Text Placeholder 4"/>
-          <p:cNvSpPr>
-            <a:spLocks noGrp="1"/>
-          </p:cNvSpPr>
-          <p:nvPr>
-            <p:ph type="body" idx="16" sz="quarter"/>
-          </p:nvPr>
-        </p:nvSpPr>
-        <p:spPr/>
         <p:txBody>
           <a:bodyPr/>
           <a:lstStyle/>
@@ -4762,50 +4762,25 @@
             <a:pPr/>
             <a:r>
               <a:rPr b="1"/>
-              <a:t>Automation Controller</a:t>
+              <a:t>Automation Platform</a:t>
             </a:r>
           </a:p>
           <a:p>
             <a:pPr lvl="1"/>
             <a:r>
-              <a:t>Centralized automation with web UI API and CLI</a:t>
+              <a:t>HA controller cluster with web UI API and CLI</a:t>
             </a:r>
           </a:p>
           <a:p>
             <a:pPr lvl="1"/>
             <a:r>
-              <a:t>HA controller cluster with load balancing and failover</a:t>
+              <a:t>Distributed execution nodes for scalable job processing</a:t>
             </a:r>
           </a:p>
           <a:p>
             <a:pPr lvl="1"/>
             <a:r>
-              <a:t>RBAC with LDAP/AD integration for audit trails</a:t>
-            </a:r>
-          </a:p>
-          <a:p>
-            <a:pPr/>
-            <a:r>
-              <a:rPr b="1"/>
-              <a:t>Execution Infrastructure</a:t>
-            </a:r>
-          </a:p>
-          <a:p>
-            <a:pPr lvl="1"/>
-            <a:r>
-              <a:t>Distributed execution nodes for scalable job processing</a:t>
-            </a:r>
-          </a:p>
-          <a:p>
-            <a:pPr lvl="1"/>
-            <a:r>
               <a:t>Event-driven automation with webhooks and auto-remediation</a:t>
-            </a:r>
-          </a:p>
-          <a:p>
-            <a:pPr lvl="1"/>
-            <a:r>
-              <a:t>Credential vault with HashiCorp Vault or CyberArk</a:t>
             </a:r>
           </a:p>
           <a:p>
@@ -4830,7 +4805,7 @@
           <a:p>
             <a:pPr lvl="1"/>
             <a:r>
-              <a:t>Git integration for version control and CI/CD</a:t>
+              <a:t>Git integration with HashiCorp Vault or CyberArk</a:t>
             </a:r>
           </a:p>
         </p:txBody>
@@ -4914,7 +4889,19 @@
       <p:grpSpPr/>
       <p:sp>
         <p:nvSpPr>
-          <p:cNvPr id="2" name="Text Placeholder 1"/>
+          <p:cNvPr id="2" name="Picture Placeholder 1"/>
+          <p:cNvSpPr>
+            <a:spLocks noGrp="1"/>
+          </p:cNvSpPr>
+          <p:nvPr>
+            <p:ph type="pic" idx="13" sz="quarter"/>
+          </p:nvPr>
+        </p:nvSpPr>
+        <p:spPr/>
+      </p:sp>
+      <p:sp>
+        <p:nvSpPr>
+          <p:cNvPr id="3" name="Text Placeholder 2"/>
           <p:cNvSpPr>
             <a:spLocks noGrp="1"/>
           </p:cNvSpPr>
@@ -4933,18 +4920,6 @@
             </a:r>
           </a:p>
         </p:txBody>
-      </p:sp>
-      <p:sp>
-        <p:nvSpPr>
-          <p:cNvPr id="3" name="Picture Placeholder 2"/>
-          <p:cNvSpPr>
-            <a:spLocks noGrp="1"/>
-          </p:cNvSpPr>
-          <p:nvPr>
-            <p:ph type="pic" idx="13" sz="quarter"/>
-          </p:nvPr>
-        </p:nvSpPr>
-        <p:spPr/>
       </p:sp>
       <p:sp>
         <p:nvSpPr>
@@ -5086,7 +5061,19 @@
       <p:grpSpPr/>
       <p:sp>
         <p:nvSpPr>
-          <p:cNvPr id="2" name="Text Placeholder 1"/>
+          <p:cNvPr id="2" name="Picture Placeholder 1"/>
+          <p:cNvSpPr>
+            <a:spLocks noGrp="1"/>
+          </p:cNvSpPr>
+          <p:nvPr>
+            <p:ph type="pic" idx="13" sz="quarter"/>
+          </p:nvPr>
+        </p:nvSpPr>
+        <p:spPr/>
+      </p:sp>
+      <p:sp>
+        <p:nvSpPr>
+          <p:cNvPr id="3" name="Text Placeholder 2"/>
           <p:cNvSpPr>
             <a:spLocks noGrp="1"/>
           </p:cNvSpPr>
@@ -5105,18 +5092,6 @@
             </a:r>
           </a:p>
         </p:txBody>
-      </p:sp>
-      <p:sp>
-        <p:nvSpPr>
-          <p:cNvPr id="3" name="Picture Placeholder 2"/>
-          <p:cNvSpPr>
-            <a:spLocks noGrp="1"/>
-          </p:cNvSpPr>
-          <p:nvPr>
-            <p:ph type="pic" idx="13" sz="quarter"/>
-          </p:nvPr>
-        </p:nvSpPr>
-        <p:spPr/>
       </p:sp>
       <p:graphicFrame>
         <p:nvGraphicFramePr>
@@ -5493,7 +5468,19 @@
       <p:grpSpPr/>
       <p:sp>
         <p:nvSpPr>
-          <p:cNvPr id="2" name="Text Placeholder 1"/>
+          <p:cNvPr id="2" name="Picture Placeholder 1"/>
+          <p:cNvSpPr>
+            <a:spLocks noGrp="1"/>
+          </p:cNvSpPr>
+          <p:nvPr>
+            <p:ph type="pic" idx="13" sz="quarter"/>
+          </p:nvPr>
+        </p:nvSpPr>
+        <p:spPr/>
+      </p:sp>
+      <p:sp>
+        <p:nvSpPr>
+          <p:cNvPr id="3" name="Text Placeholder 2"/>
           <p:cNvSpPr>
             <a:spLocks noGrp="1"/>
           </p:cNvSpPr>
@@ -5512,18 +5499,6 @@
             </a:r>
           </a:p>
         </p:txBody>
-      </p:sp>
-      <p:sp>
-        <p:nvSpPr>
-          <p:cNvPr id="3" name="Picture Placeholder 2"/>
-          <p:cNvSpPr>
-            <a:spLocks noGrp="1"/>
-          </p:cNvSpPr>
-          <p:nvPr>
-            <p:ph type="pic" idx="13" sz="quarter"/>
-          </p:nvPr>
-        </p:nvSpPr>
-        <p:spPr/>
       </p:sp>
       <p:sp>
         <p:nvSpPr>
@@ -5654,7 +5629,19 @@
       <p:grpSpPr/>
       <p:sp>
         <p:nvSpPr>
-          <p:cNvPr id="2" name="Text Placeholder 1"/>
+          <p:cNvPr id="2" name="Picture Placeholder 1"/>
+          <p:cNvSpPr>
+            <a:spLocks noGrp="1"/>
+          </p:cNvSpPr>
+          <p:nvPr>
+            <p:ph type="pic" idx="14" sz="quarter"/>
+          </p:nvPr>
+        </p:nvSpPr>
+        <p:spPr/>
+      </p:sp>
+      <p:sp>
+        <p:nvSpPr>
+          <p:cNvPr id="3" name="Text Placeholder 2"/>
           <p:cNvSpPr>
             <a:spLocks noGrp="1"/>
           </p:cNvSpPr>
@@ -5673,18 +5660,6 @@
             </a:r>
           </a:p>
         </p:txBody>
-      </p:sp>
-      <p:sp>
-        <p:nvSpPr>
-          <p:cNvPr id="3" name="Picture Placeholder 2"/>
-          <p:cNvSpPr>
-            <a:spLocks noGrp="1"/>
-          </p:cNvSpPr>
-          <p:nvPr>
-            <p:ph type="pic" idx="14" sz="quarter"/>
-          </p:nvPr>
-        </p:nvSpPr>
-        <p:spPr/>
       </p:sp>
       <p:sp>
         <p:nvSpPr>
@@ -5829,7 +5804,19 @@
       <p:grpSpPr/>
       <p:sp>
         <p:nvSpPr>
-          <p:cNvPr id="2" name="Text Placeholder 1"/>
+          <p:cNvPr id="2" name="Picture Placeholder 1"/>
+          <p:cNvSpPr>
+            <a:spLocks noGrp="1"/>
+          </p:cNvSpPr>
+          <p:nvPr>
+            <p:ph type="pic" idx="13" sz="quarter"/>
+          </p:nvPr>
+        </p:nvSpPr>
+        <p:spPr/>
+      </p:sp>
+      <p:sp>
+        <p:nvSpPr>
+          <p:cNvPr id="3" name="Text Placeholder 2"/>
           <p:cNvSpPr>
             <a:spLocks noGrp="1"/>
           </p:cNvSpPr>
@@ -5848,18 +5835,6 @@
             </a:r>
           </a:p>
         </p:txBody>
-      </p:sp>
-      <p:sp>
-        <p:nvSpPr>
-          <p:cNvPr id="3" name="Picture Placeholder 2"/>
-          <p:cNvSpPr>
-            <a:spLocks noGrp="1"/>
-          </p:cNvSpPr>
-          <p:nvPr>
-            <p:ph type="pic" idx="13" sz="quarter"/>
-          </p:nvPr>
-        </p:nvSpPr>
-        <p:spPr/>
       </p:sp>
       <p:graphicFrame>
         <p:nvGraphicFramePr>

--- a/solutions/ibm/devops/ansible-automation-platform/presales/solution-briefing.pptx
+++ b/solutions/ibm/devops/ansible-automation-platform/presales/solution-briefing.pptx
@@ -3414,7 +3414,7 @@
           <a:lstStyle/>
           <a:p>
             <a:r>
-              <a:t>['Presenter Name'] | November 22, 2025</a:t>
+              <a:t>['Presenter Name'] | November 24, 2025</a:t>
             </a:r>
           </a:p>
         </p:txBody>
@@ -6039,41 +6039,7 @@
                     <a:p>
                       <a:r>
                         <a:rPr sz="1100"/>
-                        <a:t>$73,600</a:t>
-                      </a:r>
-                    </a:p>
-                  </a:txBody>
-                  <a:tcPr>
-                    <a:solidFill>
-                      <a:srgbClr val="E7E6E6"/>
-                    </a:solidFill>
-                  </a:tcPr>
-                </a:tc>
-                <a:tc>
-                  <a:txBody>
-                    <a:bodyPr/>
-                    <a:lstStyle/>
-                    <a:p>
-                      <a:r>
-                        <a:rPr sz="1100"/>
-                        <a:t>($3,000)</a:t>
-                      </a:r>
-                    </a:p>
-                  </a:txBody>
-                  <a:tcPr>
-                    <a:solidFill>
-                      <a:srgbClr val="E7E6E6"/>
-                    </a:solidFill>
-                  </a:tcPr>
-                </a:tc>
-                <a:tc>
-                  <a:txBody>
-                    <a:bodyPr/>
-                    <a:lstStyle/>
-                    <a:p>
-                      <a:r>
-                        <a:rPr sz="1100"/>
-                        <a:t>$70,600</a:t>
+                        <a:t>$0</a:t>
                       </a:r>
                     </a:p>
                   </a:txBody>
@@ -6124,7 +6090,41 @@
                     <a:p>
                       <a:r>
                         <a:rPr sz="1100"/>
-                        <a:t>$70,600</a:t>
+                        <a:t>$0</a:t>
+                      </a:r>
+                    </a:p>
+                  </a:txBody>
+                  <a:tcPr>
+                    <a:solidFill>
+                      <a:srgbClr val="E7E6E6"/>
+                    </a:solidFill>
+                  </a:tcPr>
+                </a:tc>
+                <a:tc>
+                  <a:txBody>
+                    <a:bodyPr/>
+                    <a:lstStyle/>
+                    <a:p>
+                      <a:r>
+                        <a:rPr sz="1100"/>
+                        <a:t>$0</a:t>
+                      </a:r>
+                    </a:p>
+                  </a:txBody>
+                  <a:tcPr>
+                    <a:solidFill>
+                      <a:srgbClr val="E7E6E6"/>
+                    </a:solidFill>
+                  </a:tcPr>
+                </a:tc>
+                <a:tc>
+                  <a:txBody>
+                    <a:bodyPr/>
+                    <a:lstStyle/>
+                    <a:p>
+                      <a:r>
+                        <a:rPr sz="1100"/>
+                        <a:t>$0</a:t>
                       </a:r>
                     </a:p>
                   </a:txBody>
@@ -6143,7 +6143,7 @@
                     <a:p>
                       <a:r>
                         <a:rPr sz="1100"/>
-                        <a:t>Cloud Infrastructure</a:t>
+                        <a:t>Cloud Services</a:t>
                       </a:r>
                     </a:p>
                   </a:txBody>
@@ -6523,7 +6523,7 @@
                     <a:p>
                       <a:r>
                         <a:rPr b="1" sz="1100"/>
-                        <a:t>$232,772</a:t>
+                        <a:t>$159,172</a:t>
                       </a:r>
                     </a:p>
                   </a:txBody>
@@ -6540,7 +6540,7 @@
                     <a:p>
                       <a:r>
                         <a:rPr b="1" sz="1100"/>
-                        <a:t>($15,000)</a:t>
+                        <a:t>($12,000)</a:t>
                       </a:r>
                     </a:p>
                   </a:txBody>
@@ -6557,7 +6557,7 @@
                     <a:p>
                       <a:r>
                         <a:rPr b="1" sz="1100"/>
-                        <a:t>$217,772</a:t>
+                        <a:t>$147,172</a:t>
                       </a:r>
                     </a:p>
                   </a:txBody>
@@ -6608,7 +6608,7 @@
                     <a:p>
                       <a:r>
                         <a:rPr b="1" sz="1100"/>
-                        <a:t>$536,116</a:t>
+                        <a:t>$465,516</a:t>
                       </a:r>
                     </a:p>
                   </a:txBody>
